--- a/Ejercicio.Final.2.pptx
+++ b/Ejercicio.Final.2.pptx
@@ -7043,7 +7043,7 @@
         </p:nvSpPr>
         <p:spPr>
           <a:xfrm>
-            <a:off x="4827207" y="1951630"/>
+            <a:off x="5493169" y="1951632"/>
             <a:ext cx="2830605" cy="1977448"/>
           </a:xfrm>
           <a:prstGeom prst="roundRect">
@@ -7145,7 +7145,7 @@
         </p:nvSpPr>
         <p:spPr>
           <a:xfrm>
-            <a:off x="494691" y="1534539"/>
+            <a:off x="1156131" y="1512923"/>
             <a:ext cx="1423092" cy="307777"/>
           </a:xfrm>
           <a:prstGeom prst="rect">
@@ -7213,7 +7213,7 @@
         </p:blipFill>
         <p:spPr>
           <a:xfrm>
-            <a:off x="1043221" y="2170822"/>
+            <a:off x="1709183" y="2170824"/>
             <a:ext cx="354562" cy="354562"/>
           </a:xfrm>
           <a:prstGeom prst="rect">
@@ -7243,7 +7243,7 @@
         </p:blipFill>
         <p:spPr>
           <a:xfrm>
-            <a:off x="2712661" y="2944733"/>
+            <a:off x="3378623" y="2944735"/>
             <a:ext cx="647997" cy="713074"/>
           </a:xfrm>
           <a:prstGeom prst="rect">
@@ -7280,7 +7280,7 @@
         </p:blipFill>
         <p:spPr bwMode="auto">
           <a:xfrm>
-            <a:off x="5450709" y="2006624"/>
+            <a:off x="6116671" y="2006626"/>
             <a:ext cx="1475939" cy="851610"/>
           </a:xfrm>
           <a:prstGeom prst="rect">
@@ -7320,7 +7320,7 @@
         </p:blipFill>
         <p:spPr>
           <a:xfrm>
-            <a:off x="5480625" y="5490253"/>
+            <a:off x="6146587" y="5490255"/>
             <a:ext cx="699865" cy="389212"/>
           </a:xfrm>
           <a:prstGeom prst="rect">
@@ -7357,7 +7357,7 @@
         </p:blipFill>
         <p:spPr bwMode="auto">
           <a:xfrm>
-            <a:off x="4937545" y="4927243"/>
+            <a:off x="5603507" y="4927245"/>
             <a:ext cx="255522" cy="255522"/>
           </a:xfrm>
           <a:prstGeom prst="rect">
@@ -7389,7 +7389,7 @@
         </p:nvSpPr>
         <p:spPr>
           <a:xfrm>
-            <a:off x="5165478" y="4947282"/>
+            <a:off x="5831440" y="4947284"/>
             <a:ext cx="1202836" cy="215444"/>
           </a:xfrm>
           <a:prstGeom prst="rect">
@@ -7425,7 +7425,7 @@
         </p:nvSpPr>
         <p:spPr>
           <a:xfrm>
-            <a:off x="4827207" y="4844029"/>
+            <a:off x="5493169" y="4844031"/>
             <a:ext cx="4946231" cy="1312513"/>
           </a:xfrm>
           <a:prstGeom prst="roundRect">
@@ -7480,7 +7480,7 @@
         </p:blipFill>
         <p:spPr>
           <a:xfrm>
-            <a:off x="5020063" y="3060071"/>
+            <a:off x="5686025" y="3060073"/>
             <a:ext cx="2444892" cy="786431"/>
           </a:xfrm>
           <a:prstGeom prst="rect">
@@ -7517,7 +7517,7 @@
         </p:blipFill>
         <p:spPr bwMode="auto">
           <a:xfrm>
-            <a:off x="8369262" y="5379982"/>
+            <a:off x="9035224" y="5379984"/>
             <a:ext cx="1125402" cy="611632"/>
           </a:xfrm>
           <a:prstGeom prst="rect">
@@ -7564,7 +7564,7 @@
         </p:blipFill>
         <p:spPr bwMode="auto">
           <a:xfrm>
-            <a:off x="8065501" y="1941807"/>
+            <a:off x="8731463" y="1941809"/>
             <a:ext cx="1707937" cy="1707937"/>
           </a:xfrm>
           <a:prstGeom prst="rect">
@@ -7596,7 +7596,7 @@
         </p:nvSpPr>
         <p:spPr>
           <a:xfrm>
-            <a:off x="943763" y="3516181"/>
+            <a:off x="1609725" y="3516183"/>
             <a:ext cx="798576" cy="215444"/>
           </a:xfrm>
           <a:prstGeom prst="rect">
@@ -7640,7 +7640,7 @@
         </p:blipFill>
         <p:spPr>
           <a:xfrm flipH="1">
-            <a:off x="1007177" y="3082082"/>
+            <a:off x="1673139" y="3082084"/>
             <a:ext cx="407497" cy="438376"/>
           </a:xfrm>
           <a:prstGeom prst="rect">
@@ -7662,7 +7662,7 @@
         </p:nvSpPr>
         <p:spPr>
           <a:xfrm>
-            <a:off x="806770" y="2525384"/>
+            <a:off x="1472732" y="2525386"/>
             <a:ext cx="798576" cy="215444"/>
           </a:xfrm>
           <a:prstGeom prst="rect">
@@ -7702,7 +7702,7 @@
         </p:nvCxnSpPr>
         <p:spPr>
           <a:xfrm>
-            <a:off x="1206058" y="2740828"/>
+            <a:off x="1872020" y="2740830"/>
             <a:ext cx="4867" cy="341254"/>
           </a:xfrm>
           <a:prstGeom prst="line">
@@ -7742,7 +7742,7 @@
         </p:nvCxnSpPr>
         <p:spPr>
           <a:xfrm>
-            <a:off x="1414674" y="3301270"/>
+            <a:off x="2080636" y="3301272"/>
             <a:ext cx="1297987" cy="0"/>
           </a:xfrm>
           <a:prstGeom prst="straightConnector1">
@@ -7785,7 +7785,7 @@
         </p:nvCxnSpPr>
         <p:spPr>
           <a:xfrm flipH="1">
-            <a:off x="5830558" y="3929078"/>
+            <a:off x="6496520" y="3929080"/>
             <a:ext cx="411952" cy="1561175"/>
           </a:xfrm>
           <a:prstGeom prst="straightConnector1">
@@ -7834,7 +7834,7 @@
         </p:nvCxnSpPr>
         <p:spPr>
           <a:xfrm rot="16200000" flipH="1">
-            <a:off x="3010694" y="3683772"/>
+            <a:off x="3676656" y="3683774"/>
             <a:ext cx="1842479" cy="1790547"/>
           </a:xfrm>
           <a:prstGeom prst="bentConnector2">
@@ -7877,7 +7877,7 @@
         </p:nvCxnSpPr>
         <p:spPr>
           <a:xfrm flipV="1">
-            <a:off x="3360658" y="2940354"/>
+            <a:off x="4026620" y="2940356"/>
             <a:ext cx="1466549" cy="360916"/>
           </a:xfrm>
           <a:prstGeom prst="bentConnector3">
@@ -7921,7 +7921,7 @@
         </p:nvCxnSpPr>
         <p:spPr>
           <a:xfrm flipV="1">
-            <a:off x="7464955" y="2680953"/>
+            <a:off x="8130917" y="2680955"/>
             <a:ext cx="891645" cy="772334"/>
           </a:xfrm>
           <a:prstGeom prst="bentConnector3">
@@ -7961,7 +7961,7 @@
         </p:nvSpPr>
         <p:spPr>
           <a:xfrm>
-            <a:off x="6188678" y="4346995"/>
+            <a:off x="6854640" y="4346997"/>
             <a:ext cx="280756" cy="287349"/>
           </a:xfrm>
           <a:prstGeom prst="roundRect">
@@ -8042,7 +8042,7 @@
         </p:nvSpPr>
         <p:spPr>
           <a:xfrm>
-            <a:off x="1787631" y="2935302"/>
+            <a:off x="2453593" y="2935304"/>
             <a:ext cx="280756" cy="287349"/>
           </a:xfrm>
           <a:prstGeom prst="roundRect">
@@ -8123,7 +8123,7 @@
         </p:nvSpPr>
         <p:spPr>
           <a:xfrm>
-            <a:off x="3688874" y="2890301"/>
+            <a:off x="4354836" y="2890303"/>
             <a:ext cx="280756" cy="287349"/>
           </a:xfrm>
           <a:prstGeom prst="roundRect">
@@ -8204,7 +8204,7 @@
         </p:nvSpPr>
         <p:spPr>
           <a:xfrm>
-            <a:off x="3868327" y="5130733"/>
+            <a:off x="4534289" y="5130735"/>
             <a:ext cx="280756" cy="287349"/>
           </a:xfrm>
           <a:prstGeom prst="roundRect">
@@ -8285,7 +8285,7 @@
         </p:nvSpPr>
         <p:spPr>
           <a:xfrm>
-            <a:off x="7782586" y="2871457"/>
+            <a:off x="8448548" y="2871459"/>
             <a:ext cx="280756" cy="287349"/>
           </a:xfrm>
           <a:prstGeom prst="roundRect">
@@ -8366,7 +8366,7 @@
         </p:nvSpPr>
         <p:spPr>
           <a:xfrm>
-            <a:off x="7550760" y="5346578"/>
+            <a:off x="8216722" y="5346580"/>
             <a:ext cx="280756" cy="287349"/>
           </a:xfrm>
           <a:prstGeom prst="roundRect">
@@ -8446,7 +8446,7 @@
         </p:nvSpPr>
         <p:spPr>
           <a:xfrm>
-            <a:off x="5795601" y="1534538"/>
+            <a:off x="6461563" y="1534540"/>
             <a:ext cx="786154" cy="307777"/>
           </a:xfrm>
           <a:prstGeom prst="rect">
@@ -8488,7 +8488,7 @@
         </p:nvSpPr>
         <p:spPr>
           <a:xfrm>
-            <a:off x="5017896" y="4437878"/>
+            <a:off x="5683858" y="4437880"/>
             <a:ext cx="994530" cy="307777"/>
           </a:xfrm>
           <a:prstGeom prst="rect">
@@ -8530,7 +8530,7 @@
         </p:nvSpPr>
         <p:spPr>
           <a:xfrm>
-            <a:off x="8503229" y="1534537"/>
+            <a:off x="9169191" y="1534539"/>
             <a:ext cx="867771" cy="307777"/>
           </a:xfrm>
           <a:prstGeom prst="rect">
@@ -8576,7 +8576,7 @@
         </p:nvCxnSpPr>
         <p:spPr>
           <a:xfrm>
-            <a:off x="6180490" y="5684859"/>
+            <a:off x="6846452" y="5684861"/>
             <a:ext cx="2188772" cy="939"/>
           </a:xfrm>
           <a:prstGeom prst="bentConnector3">
@@ -8617,7 +8617,7 @@
         </p:nvSpPr>
         <p:spPr>
           <a:xfrm>
-            <a:off x="8153400" y="1799301"/>
+            <a:off x="8819362" y="1799303"/>
             <a:ext cx="1476935" cy="4537999"/>
           </a:xfrm>
           <a:prstGeom prst="roundRect">
@@ -8672,7 +8672,7 @@
         </p:nvSpPr>
         <p:spPr>
           <a:xfrm>
-            <a:off x="4622998" y="1799301"/>
+            <a:off x="5288960" y="1799303"/>
             <a:ext cx="3141514" cy="2272003"/>
           </a:xfrm>
           <a:prstGeom prst="roundRect">
@@ -8727,7 +8727,7 @@
         </p:nvSpPr>
         <p:spPr>
           <a:xfrm>
-            <a:off x="4690002" y="4692413"/>
+            <a:off x="5355964" y="4692415"/>
             <a:ext cx="2048095" cy="1644887"/>
           </a:xfrm>
           <a:prstGeom prst="roundRect">
@@ -8782,7 +8782,7 @@
         </p:nvSpPr>
         <p:spPr>
           <a:xfrm>
-            <a:off x="748040" y="1799301"/>
+            <a:off x="1414002" y="1799303"/>
             <a:ext cx="921949" cy="2467899"/>
           </a:xfrm>
           <a:prstGeom prst="roundRect">
@@ -8837,7 +8837,7 @@
         </p:nvSpPr>
         <p:spPr>
           <a:xfrm>
-            <a:off x="2583405" y="2738275"/>
+            <a:off x="3249367" y="2738277"/>
             <a:ext cx="1664629" cy="1273614"/>
           </a:xfrm>
           <a:prstGeom prst="roundRect">
@@ -8892,7 +8892,7 @@
         </p:nvSpPr>
         <p:spPr>
           <a:xfrm>
-            <a:off x="3076784" y="2477155"/>
+            <a:off x="3742746" y="2477157"/>
             <a:ext cx="687381" cy="307777"/>
           </a:xfrm>
           <a:prstGeom prst="rect">
@@ -8942,7 +8942,7 @@
         </p:blipFill>
         <p:spPr>
           <a:xfrm>
-            <a:off x="5537682" y="4125865"/>
+            <a:off x="6203644" y="4125867"/>
             <a:ext cx="488563" cy="375090"/>
           </a:xfrm>
           <a:prstGeom prst="rect">
@@ -8972,7 +8972,7 @@
         </p:blipFill>
         <p:spPr>
           <a:xfrm>
-            <a:off x="3661647" y="3385821"/>
+            <a:off x="4327609" y="3385823"/>
             <a:ext cx="450663" cy="345993"/>
           </a:xfrm>
           <a:prstGeom prst="rect">
@@ -9002,7 +9002,7 @@
         </p:blipFill>
         <p:spPr>
           <a:xfrm>
-            <a:off x="3115548" y="4363672"/>
+            <a:off x="3781510" y="4363674"/>
             <a:ext cx="450663" cy="345993"/>
           </a:xfrm>
           <a:prstGeom prst="rect">
@@ -9032,7 +9032,7 @@
         </p:blipFill>
         <p:spPr>
           <a:xfrm>
-            <a:off x="7699538" y="3480053"/>
+            <a:off x="8365500" y="3480055"/>
             <a:ext cx="450663" cy="345993"/>
           </a:xfrm>
           <a:prstGeom prst="rect">
@@ -11019,14 +11019,14 @@
           <p:nvPr>
             <p:extLst>
               <p:ext uri="{D42A27DB-BD31-4B8C-83A1-F6EECF244321}">
-                <p14:modId xmlns:p14="http://schemas.microsoft.com/office/powerpoint/2010/main" val="3930679964"/>
+                <p14:modId xmlns:p14="http://schemas.microsoft.com/office/powerpoint/2010/main" val="3474472706"/>
               </p:ext>
             </p:extLst>
           </p:nvPr>
         </p:nvGraphicFramePr>
         <p:xfrm>
           <a:off x="838200" y="2028190"/>
-          <a:ext cx="10515600" cy="4592320"/>
+          <a:ext cx="10515600" cy="3850640"/>
         </p:xfrm>
         <a:graphic>
           <a:graphicData uri="http://schemas.openxmlformats.org/drawingml/2006/table">
@@ -11447,60 +11447,6 @@
                   </a:ext>
                 </a:extLst>
               </a:tr>
-              <a:tr h="370840">
-                <a:tc>
-                  <a:txBody>
-                    <a:bodyPr/>
-                    <a:lstStyle/>
-                    <a:p>
-                      <a:endParaRPr lang="es-ES"/>
-                    </a:p>
-                  </a:txBody>
-                  <a:tcPr/>
-                </a:tc>
-                <a:tc>
-                  <a:txBody>
-                    <a:bodyPr/>
-                    <a:lstStyle/>
-                    <a:p>
-                      <a:endParaRPr lang="es-ES"/>
-                    </a:p>
-                  </a:txBody>
-                  <a:tcPr/>
-                </a:tc>
-                <a:extLst>
-                  <a:ext uri="{0D108BD9-81ED-4DB2-BD59-A6C34878D82A}">
-                    <a16:rowId xmlns:a16="http://schemas.microsoft.com/office/drawing/2014/main" val="822362151"/>
-                  </a:ext>
-                </a:extLst>
-              </a:tr>
-              <a:tr h="370840">
-                <a:tc>
-                  <a:txBody>
-                    <a:bodyPr/>
-                    <a:lstStyle/>
-                    <a:p>
-                      <a:endParaRPr lang="es-ES_tradnl" dirty="0"/>
-                    </a:p>
-                  </a:txBody>
-                  <a:tcPr/>
-                </a:tc>
-                <a:tc>
-                  <a:txBody>
-                    <a:bodyPr/>
-                    <a:lstStyle/>
-                    <a:p>
-                      <a:endParaRPr lang="es-ES" dirty="0"/>
-                    </a:p>
-                  </a:txBody>
-                  <a:tcPr/>
-                </a:tc>
-                <a:extLst>
-                  <a:ext uri="{0D108BD9-81ED-4DB2-BD59-A6C34878D82A}">
-                    <a16:rowId xmlns:a16="http://schemas.microsoft.com/office/drawing/2014/main" val="805726858"/>
-                  </a:ext>
-                </a:extLst>
-              </a:tr>
             </a:tbl>
           </a:graphicData>
         </a:graphic>
@@ -11660,7 +11606,7 @@
         <p:spPr>
           <a:xfrm>
             <a:off x="838200" y="1822450"/>
-            <a:ext cx="2457452" cy="4794250"/>
+            <a:ext cx="2457452" cy="4533900"/>
           </a:xfrm>
           <a:prstGeom prst="rect">
             <a:avLst/>
@@ -12101,7 +12047,7 @@
         <p:spPr>
           <a:xfrm>
             <a:off x="3495674" y="1822450"/>
-            <a:ext cx="2457452" cy="4794250"/>
+            <a:ext cx="2457452" cy="4533900"/>
           </a:xfrm>
           <a:prstGeom prst="rect">
             <a:avLst/>
@@ -12649,7 +12595,7 @@
         <p:spPr>
           <a:xfrm>
             <a:off x="6153148" y="1822450"/>
-            <a:ext cx="2457452" cy="4794250"/>
+            <a:ext cx="2457452" cy="4533900"/>
           </a:xfrm>
           <a:prstGeom prst="rect">
             <a:avLst/>
@@ -13040,7 +12986,7 @@
         <p:spPr>
           <a:xfrm>
             <a:off x="8810622" y="1822450"/>
-            <a:ext cx="2457452" cy="4794250"/>
+            <a:ext cx="2457452" cy="4533900"/>
           </a:xfrm>
           <a:prstGeom prst="rect">
             <a:avLst/>
@@ -14108,18 +14054,18 @@
 </file>
 
 <file path=customXml/item1.xml><?xml version="1.0" encoding="utf-8"?>
-<p:properties xmlns:p="http://schemas.microsoft.com/office/2006/metadata/properties" xmlns:xsi="http://www.w3.org/2001/XMLSchema-instance" xmlns:pc="http://schemas.microsoft.com/office/infopath/2007/PartnerControls">
-  <documentManagement/>
-</p:properties>
-</file>
-
-<file path=customXml/item2.xml><?xml version="1.0" encoding="utf-8"?>
 <?mso-contentType ?>
 <FormTemplates xmlns="http://schemas.microsoft.com/sharepoint/v3/contenttype/forms">
   <Display>DocumentLibraryForm</Display>
   <Edit>DocumentLibraryForm</Edit>
   <New>DocumentLibraryForm</New>
 </FormTemplates>
+</file>
+
+<file path=customXml/item2.xml><?xml version="1.0" encoding="utf-8"?>
+<p:properties xmlns:p="http://schemas.microsoft.com/office/2006/metadata/properties" xmlns:xsi="http://www.w3.org/2001/XMLSchema-instance" xmlns:pc="http://schemas.microsoft.com/office/infopath/2007/PartnerControls">
+  <documentManagement/>
+</p:properties>
 </file>
 
 <file path=customXml/item3.xml><?xml version="1.0" encoding="utf-8"?>
@@ -14320,6 +14266,14 @@
 </file>
 
 <file path=customXml/itemProps1.xml><?xml version="1.0" encoding="utf-8"?>
+<ds:datastoreItem xmlns:ds="http://schemas.openxmlformats.org/officeDocument/2006/customXml" ds:itemID="{D881361F-9B87-475C-A189-FD9C6D04BDC8}">
+  <ds:schemaRefs>
+    <ds:schemaRef ds:uri="http://schemas.microsoft.com/sharepoint/v3/contenttype/forms"/>
+  </ds:schemaRefs>
+</ds:datastoreItem>
+</file>
+
+<file path=customXml/itemProps2.xml><?xml version="1.0" encoding="utf-8"?>
 <ds:datastoreItem xmlns:ds="http://schemas.openxmlformats.org/officeDocument/2006/customXml" ds:itemID="{0D4C7996-BAF2-4B93-ACED-233E08525FE9}">
   <ds:schemaRefs>
     <ds:schemaRef ds:uri="7cc876c5-f1c2-48c2-97b5-a8c4202b42c8"/>
@@ -14332,14 +14286,6 @@
     <ds:schemaRef ds:uri="http://schemas.microsoft.com/office/infopath/2007/PartnerControls"/>
     <ds:schemaRef ds:uri="http://schemas.openxmlformats.org/package/2006/metadata/core-properties"/>
     <ds:schemaRef ds:uri="dc4329f7-16b3-4ba8-bee3-5bd637303f8b"/>
-  </ds:schemaRefs>
-</ds:datastoreItem>
-</file>
-
-<file path=customXml/itemProps2.xml><?xml version="1.0" encoding="utf-8"?>
-<ds:datastoreItem xmlns:ds="http://schemas.openxmlformats.org/officeDocument/2006/customXml" ds:itemID="{D881361F-9B87-475C-A189-FD9C6D04BDC8}">
-  <ds:schemaRefs>
-    <ds:schemaRef ds:uri="http://schemas.microsoft.com/sharepoint/v3/contenttype/forms"/>
   </ds:schemaRefs>
 </ds:datastoreItem>
 </file>

--- a/Ejercicio.Final.2.pptx
+++ b/Ejercicio.Final.2.pptx
@@ -1209,7 +1209,7 @@
           <a:p>
             <a:fld id="{3D660895-80A2-4CF0-AE25-87E3BBFAC565}" type="datetimeFigureOut">
               <a:rPr lang="es-ES" smtClean="0"/>
-              <a:t>31/01/2022</a:t>
+              <a:t>01/02/2022</a:t>
             </a:fld>
             <a:endParaRPr lang="es-ES"/>
           </a:p>
@@ -1626,7 +1626,7 @@
           <a:p>
             <a:fld id="{F63EC4D7-51C1-44D8-BC75-B785898DBBCB}" type="datetime1">
               <a:rPr lang="es-ES" smtClean="0"/>
-              <a:t>31/01/2022</a:t>
+              <a:t>01/02/2022</a:t>
             </a:fld>
             <a:endParaRPr lang="es-ES"/>
           </a:p>
@@ -1826,7 +1826,7 @@
           <a:p>
             <a:fld id="{0FBC9595-757D-4548-A335-737B211636B6}" type="datetime1">
               <a:rPr lang="es-ES" smtClean="0"/>
-              <a:t>31/01/2022</a:t>
+              <a:t>01/02/2022</a:t>
             </a:fld>
             <a:endParaRPr lang="es-ES"/>
           </a:p>
@@ -2036,7 +2036,7 @@
           <a:p>
             <a:fld id="{1763F309-8657-4C50-B5B3-43B3F730473A}" type="datetime1">
               <a:rPr lang="es-ES" smtClean="0"/>
-              <a:t>31/01/2022</a:t>
+              <a:t>01/02/2022</a:t>
             </a:fld>
             <a:endParaRPr lang="es-ES"/>
           </a:p>
@@ -2236,7 +2236,7 @@
           <a:p>
             <a:fld id="{6FB07BF9-5D30-4005-81DE-F84B2F767CA8}" type="datetime1">
               <a:rPr lang="es-ES" smtClean="0"/>
-              <a:t>31/01/2022</a:t>
+              <a:t>01/02/2022</a:t>
             </a:fld>
             <a:endParaRPr lang="es-ES"/>
           </a:p>
@@ -2512,7 +2512,7 @@
           <a:p>
             <a:fld id="{A75769CA-516B-4D17-AAC6-A18316FEEA63}" type="datetime1">
               <a:rPr lang="es-ES" smtClean="0"/>
-              <a:t>31/01/2022</a:t>
+              <a:t>01/02/2022</a:t>
             </a:fld>
             <a:endParaRPr lang="es-ES"/>
           </a:p>
@@ -2780,7 +2780,7 @@
           <a:p>
             <a:fld id="{B9046A12-EBB1-460D-8449-A9AF2764C918}" type="datetime1">
               <a:rPr lang="es-ES" smtClean="0"/>
-              <a:t>31/01/2022</a:t>
+              <a:t>01/02/2022</a:t>
             </a:fld>
             <a:endParaRPr lang="es-ES"/>
           </a:p>
@@ -3195,7 +3195,7 @@
           <a:p>
             <a:fld id="{408A0F20-78B1-4649-8336-7DB9A53392C5}" type="datetime1">
               <a:rPr lang="es-ES" smtClean="0"/>
-              <a:t>31/01/2022</a:t>
+              <a:t>01/02/2022</a:t>
             </a:fld>
             <a:endParaRPr lang="es-ES"/>
           </a:p>
@@ -3337,7 +3337,7 @@
           <a:p>
             <a:fld id="{85243E0D-BED6-4EA6-A368-475F2C34CCB2}" type="datetime1">
               <a:rPr lang="es-ES" smtClean="0"/>
-              <a:t>31/01/2022</a:t>
+              <a:t>01/02/2022</a:t>
             </a:fld>
             <a:endParaRPr lang="es-ES"/>
           </a:p>
@@ -3450,7 +3450,7 @@
           <a:p>
             <a:fld id="{08339CD9-863A-41AA-B4C9-D81B4CD3F64F}" type="datetime1">
               <a:rPr lang="es-ES" smtClean="0"/>
-              <a:t>31/01/2022</a:t>
+              <a:t>01/02/2022</a:t>
             </a:fld>
             <a:endParaRPr lang="es-ES"/>
           </a:p>
@@ -3763,7 +3763,7 @@
           <a:p>
             <a:fld id="{1493E8BF-4756-47AF-9A88-94D595AE3488}" type="datetime1">
               <a:rPr lang="es-ES" smtClean="0"/>
-              <a:t>31/01/2022</a:t>
+              <a:t>01/02/2022</a:t>
             </a:fld>
             <a:endParaRPr lang="es-ES"/>
           </a:p>
@@ -4052,7 +4052,7 @@
           <a:p>
             <a:fld id="{5CA70628-62E8-4174-8852-42D699C45F85}" type="datetime1">
               <a:rPr lang="es-ES" smtClean="0"/>
-              <a:t>31/01/2022</a:t>
+              <a:t>01/02/2022</a:t>
             </a:fld>
             <a:endParaRPr lang="es-ES"/>
           </a:p>
@@ -4295,7 +4295,7 @@
           <a:p>
             <a:fld id="{75E600B4-F965-4CD2-86E5-BCD711944A8F}" type="datetime1">
               <a:rPr lang="es-ES" smtClean="0"/>
-              <a:t>31/01/2022</a:t>
+              <a:t>01/02/2022</a:t>
             </a:fld>
             <a:endParaRPr lang="es-ES"/>
           </a:p>
@@ -5157,26 +5157,8 @@
                 </a:solidFill>
                 <a:latin typeface="Calibri" panose="020F0502020204030204" pitchFamily="34" charset="0"/>
               </a:rPr>
-              <a:t>Repositorio: </a:t>
-            </a:r>
-            <a:r>
-              <a:rPr lang="es-ES_tradnl" sz="1600" dirty="0">
-                <a:solidFill>
-                  <a:schemeClr val="bg2">
-                    <a:lumMod val="25000"/>
-                  </a:schemeClr>
-                </a:solidFill>
-                <a:hlinkClick r:id="rId2"/>
-              </a:rPr>
-              <a:t>https://innersource.accenture.com/users/o.garcia.gonzalez/repos/mp2021_olaya_senor_garcia/browse</a:t>
-            </a:r>
-            <a:endParaRPr lang="es-ES_tradnl" sz="1600" dirty="0">
-              <a:solidFill>
-                <a:schemeClr val="bg2">
-                  <a:lumMod val="25000"/>
-                </a:schemeClr>
-              </a:solidFill>
-            </a:endParaRPr>
+              <a:t>Repositorio: https://github.com/luismiguelsenor/Grupo1.git</a:t>
+            </a:r>
           </a:p>
           <a:p>
             <a:endParaRPr lang="es-ES" sz="1600" dirty="0">
@@ -5233,7 +5215,7 @@
           <p:nvPr/>
         </p:nvPicPr>
         <p:blipFill>
-          <a:blip r:embed="rId3">
+          <a:blip r:embed="rId2">
             <a:alphaModFix amt="21000"/>
             <a:extLst>
               <a:ext uri="{28A0092B-C50C-407E-A947-70E740481C1C}">
@@ -11019,14 +11001,14 @@
           <p:nvPr>
             <p:extLst>
               <p:ext uri="{D42A27DB-BD31-4B8C-83A1-F6EECF244321}">
-                <p14:modId xmlns:p14="http://schemas.microsoft.com/office/powerpoint/2010/main" val="3474472706"/>
+                <p14:modId xmlns:p14="http://schemas.microsoft.com/office/powerpoint/2010/main" val="1510003604"/>
               </p:ext>
             </p:extLst>
           </p:nvPr>
         </p:nvGraphicFramePr>
         <p:xfrm>
-          <a:off x="838200" y="2028190"/>
-          <a:ext cx="10515600" cy="3850640"/>
+          <a:off x="722811" y="1503680"/>
+          <a:ext cx="10517778" cy="3840856"/>
         </p:xfrm>
         <a:graphic>
           <a:graphicData uri="http://schemas.openxmlformats.org/drawingml/2006/table">
@@ -11035,7 +11017,7 @@
                 <a:tableStyleId>{5C22544A-7EE6-4342-B048-85BDC9FD1C3A}</a:tableStyleId>
               </a:tblPr>
               <a:tblGrid>
-                <a:gridCol w="5257800">
+                <a:gridCol w="5259978">
                   <a:extLst>
                     <a:ext uri="{9D8B030D-6E8A-4147-A177-3AD203B41FA5}">
                       <a16:colId xmlns:a16="http://schemas.microsoft.com/office/drawing/2014/main" val="800550014"/>
@@ -11050,7 +11032,7 @@
                   </a:extLst>
                 </a:gridCol>
               </a:tblGrid>
-              <a:tr h="370840">
+              <a:tr h="365948">
                 <a:tc>
                   <a:txBody>
                     <a:bodyPr/>
@@ -11087,7 +11069,7 @@
                   </a:ext>
                 </a:extLst>
               </a:tr>
-              <a:tr h="370840">
+              <a:tr h="1173038">
                 <a:tc>
                   <a:txBody>
                     <a:bodyPr/>
@@ -11269,7 +11251,7 @@
                   </a:ext>
                 </a:extLst>
               </a:tr>
-              <a:tr h="370840">
+              <a:tr h="631635">
                 <a:tc>
                   <a:txBody>
                     <a:bodyPr/>
@@ -11330,7 +11312,7 @@
                   </a:ext>
                 </a:extLst>
               </a:tr>
-              <a:tr h="370840">
+              <a:tr h="365948">
                 <a:tc>
                   <a:txBody>
                     <a:bodyPr/>
@@ -11365,7 +11347,7 @@
                   </a:ext>
                 </a:extLst>
               </a:tr>
-              <a:tr h="370840">
+              <a:tr h="631635">
                 <a:tc>
                   <a:txBody>
                     <a:bodyPr/>
@@ -11408,7 +11390,7 @@
                   </a:ext>
                 </a:extLst>
               </a:tr>
-              <a:tr h="370840">
+              <a:tr h="631635">
                 <a:tc>
                   <a:txBody>
                     <a:bodyPr/>
@@ -14063,12 +14045,6 @@
 </file>
 
 <file path=customXml/item2.xml><?xml version="1.0" encoding="utf-8"?>
-<p:properties xmlns:p="http://schemas.microsoft.com/office/2006/metadata/properties" xmlns:xsi="http://www.w3.org/2001/XMLSchema-instance" xmlns:pc="http://schemas.microsoft.com/office/infopath/2007/PartnerControls">
-  <documentManagement/>
-</p:properties>
-</file>
-
-<file path=customXml/item3.xml><?xml version="1.0" encoding="utf-8"?>
 <ct:contentTypeSchema xmlns:ct="http://schemas.microsoft.com/office/2006/metadata/contentType" xmlns:ma="http://schemas.microsoft.com/office/2006/metadata/properties/metaAttributes" ct:_="" ma:_="" ma:contentTypeName="Document" ma:contentTypeID="0x01010013949388E696B949ABABABB062C96E3E" ma:contentTypeVersion="9" ma:contentTypeDescription="Create a new document." ma:contentTypeScope="" ma:versionID="0f5103440298d28615ef073e23991a50">
   <xsd:schema xmlns:xsd="http://www.w3.org/2001/XMLSchema" xmlns:xs="http://www.w3.org/2001/XMLSchema" xmlns:p="http://schemas.microsoft.com/office/2006/metadata/properties" xmlns:ns3="7cc876c5-f1c2-48c2-97b5-a8c4202b42c8" xmlns:ns4="dc4329f7-16b3-4ba8-bee3-5bd637303f8b" targetNamespace="http://schemas.microsoft.com/office/2006/metadata/properties" ma:root="true" ma:fieldsID="4e8df7345499ddcb180f144db6dd7d92" ns3:_="" ns4:_="">
     <xsd:import namespace="7cc876c5-f1c2-48c2-97b5-a8c4202b42c8"/>
@@ -14265,6 +14241,12 @@
 </ct:contentTypeSchema>
 </file>
 
+<file path=customXml/item3.xml><?xml version="1.0" encoding="utf-8"?>
+<p:properties xmlns:p="http://schemas.microsoft.com/office/2006/metadata/properties" xmlns:xsi="http://www.w3.org/2001/XMLSchema-instance" xmlns:pc="http://schemas.microsoft.com/office/infopath/2007/PartnerControls">
+  <documentManagement/>
+</p:properties>
+</file>
+
 <file path=customXml/itemProps1.xml><?xml version="1.0" encoding="utf-8"?>
 <ds:datastoreItem xmlns:ds="http://schemas.openxmlformats.org/officeDocument/2006/customXml" ds:itemID="{D881361F-9B87-475C-A189-FD9C6D04BDC8}">
   <ds:schemaRefs>
@@ -14274,23 +14256,6 @@
 </file>
 
 <file path=customXml/itemProps2.xml><?xml version="1.0" encoding="utf-8"?>
-<ds:datastoreItem xmlns:ds="http://schemas.openxmlformats.org/officeDocument/2006/customXml" ds:itemID="{0D4C7996-BAF2-4B93-ACED-233E08525FE9}">
-  <ds:schemaRefs>
-    <ds:schemaRef ds:uri="7cc876c5-f1c2-48c2-97b5-a8c4202b42c8"/>
-    <ds:schemaRef ds:uri="http://schemas.microsoft.com/office/2006/documentManagement/types"/>
-    <ds:schemaRef ds:uri="http://purl.org/dc/elements/1.1/"/>
-    <ds:schemaRef ds:uri="http://purl.org/dc/dcmitype/"/>
-    <ds:schemaRef ds:uri="http://www.w3.org/XML/1998/namespace"/>
-    <ds:schemaRef ds:uri="http://schemas.microsoft.com/office/2006/metadata/properties"/>
-    <ds:schemaRef ds:uri="http://purl.org/dc/terms/"/>
-    <ds:schemaRef ds:uri="http://schemas.microsoft.com/office/infopath/2007/PartnerControls"/>
-    <ds:schemaRef ds:uri="http://schemas.openxmlformats.org/package/2006/metadata/core-properties"/>
-    <ds:schemaRef ds:uri="dc4329f7-16b3-4ba8-bee3-5bd637303f8b"/>
-  </ds:schemaRefs>
-</ds:datastoreItem>
-</file>
-
-<file path=customXml/itemProps3.xml><?xml version="1.0" encoding="utf-8"?>
 <ds:datastoreItem xmlns:ds="http://schemas.openxmlformats.org/officeDocument/2006/customXml" ds:itemID="{1AC07F1B-45C2-4ACA-8780-E39029AF41BB}">
   <ds:schemaRefs>
     <ds:schemaRef ds:uri="http://schemas.microsoft.com/office/2006/metadata/contentType"/>
@@ -14307,4 +14272,21 @@
     <ds:schemaRef ds:uri="http://schemas.microsoft.com/internal/obd"/>
   </ds:schemaRefs>
 </ds:datastoreItem>
+</file>
+
+<file path=customXml/itemProps3.xml><?xml version="1.0" encoding="utf-8"?>
+<ds:datastoreItem xmlns:ds="http://schemas.openxmlformats.org/officeDocument/2006/customXml" ds:itemID="{0D4C7996-BAF2-4B93-ACED-233E08525FE9}">
+  <ds:schemaRefs>
+    <ds:schemaRef ds:uri="7cc876c5-f1c2-48c2-97b5-a8c4202b42c8"/>
+    <ds:schemaRef ds:uri="http://schemas.microsoft.com/office/2006/documentManagement/types"/>
+    <ds:schemaRef ds:uri="http://purl.org/dc/elements/1.1/"/>
+    <ds:schemaRef ds:uri="http://purl.org/dc/dcmitype/"/>
+    <ds:schemaRef ds:uri="http://www.w3.org/XML/1998/namespace"/>
+    <ds:schemaRef ds:uri="http://schemas.microsoft.com/office/2006/metadata/properties"/>
+    <ds:schemaRef ds:uri="http://purl.org/dc/terms/"/>
+    <ds:schemaRef ds:uri="http://schemas.microsoft.com/office/infopath/2007/PartnerControls"/>
+    <ds:schemaRef ds:uri="http://schemas.openxmlformats.org/package/2006/metadata/core-properties"/>
+    <ds:schemaRef ds:uri="dc4329f7-16b3-4ba8-bee3-5bd637303f8b"/>
+  </ds:schemaRefs>
+</ds:datastoreItem>
 </file>